--- a/docs/FaithTrack_Milestone_3_Presentation.pptx
+++ b/docs/FaithTrack_Milestone_3_Presentation.pptx
@@ -5700,6 +5700,13 @@
   <p:clrMapOvr>
     <a:masterClrMapping/>
   </p:clrMapOvr>
+  <p:timing>
+    <p:tnLst>
+      <p:par>
+        <p:cTn id="1" dur="indefinite" restart="never" nodeType="tmRoot"/>
+      </p:par>
+    </p:tnLst>
+  </p:timing>
 </p:sld>
 </file>
 
@@ -5756,24 +5763,39 @@
           <a:bodyPr/>
           <a:lstStyle/>
           <a:p>
+            <a:pPr marL="0" indent="0">
+              <a:buNone/>
+            </a:pPr>
             <a:endParaRPr/>
           </a:p>
           <a:p>
+            <a:pPr marL="0" indent="0">
+              <a:buNone/>
+            </a:pPr>
             <a:r>
               <a:t>- FaithTrack is a web application that helps users manage a collection of faith-based resources (e.g., Bible verses, prayers, devotionals).</a:t>
             </a:r>
           </a:p>
           <a:p>
+            <a:pPr marL="0" indent="0">
+              <a:buNone/>
+            </a:pPr>
             <a:r>
               <a:t>- Implemented with Express.js, MySQL database, and two front-end frameworks (React and Angular).</a:t>
             </a:r>
           </a:p>
           <a:p>
+            <a:pPr marL="0" indent="0">
+              <a:buNone/>
+            </a:pPr>
             <a:r>
               <a:t>- Provides CRUD functionality (Create, Read, Update, Delete) and search/filtering capabilities.</a:t>
             </a:r>
           </a:p>
           <a:p>
+            <a:pPr marL="0" indent="0">
+              <a:buNone/>
+            </a:pPr>
             <a:endParaRPr/>
           </a:p>
         </p:txBody>
@@ -5783,6 +5805,13 @@
   <p:clrMapOvr>
     <a:masterClrMapping/>
   </p:clrMapOvr>
+  <p:timing>
+    <p:tnLst>
+      <p:par>
+        <p:cTn id="1" dur="indefinite" restart="never" nodeType="tmRoot"/>
+      </p:par>
+    </p:tnLst>
+  </p:timing>
 </p:sld>
 </file>
 
@@ -5841,30 +5870,52 @@
           </a:bodyPr>
           <a:lstStyle/>
           <a:p>
-            <a:endParaRPr/>
-          </a:p>
-          <a:p>
-            <a:r>
+            <a:pPr marL="0" indent="0">
+              <a:buNone/>
+            </a:pPr>
+            <a:endParaRPr dirty="0"/>
+          </a:p>
+          <a:p>
+            <a:pPr marL="0" indent="0">
+              <a:buNone/>
+            </a:pPr>
+            <a:r>
+              <a:rPr dirty="0"/>
               <a:t>- Foreign Key Constraints: Handling relationships between resources and categories.</a:t>
             </a:r>
           </a:p>
           <a:p>
-            <a:r>
+            <a:pPr marL="0" indent="0">
+              <a:buNone/>
+            </a:pPr>
+            <a:r>
+              <a:rPr dirty="0"/>
               <a:t>- Database Design: Ensuring a scalable and normalized database schema while accommodating changes.</a:t>
             </a:r>
           </a:p>
           <a:p>
-            <a:r>
+            <a:pPr marL="0" indent="0">
+              <a:buNone/>
+            </a:pPr>
+            <a:r>
+              <a:rPr dirty="0"/>
               <a:t>- Handling Multiple Front-End Frameworks: Integrating React and Angular with the backend.</a:t>
             </a:r>
           </a:p>
           <a:p>
-            <a:r>
+            <a:pPr marL="0" indent="0">
+              <a:buNone/>
+            </a:pPr>
+            <a:r>
+              <a:rPr dirty="0"/>
               <a:t>- Handling Missing Data in PUT Requests: Validation was needed for data consistency.</a:t>
             </a:r>
           </a:p>
           <a:p>
-            <a:endParaRPr/>
+            <a:pPr marL="0" indent="0">
+              <a:buNone/>
+            </a:pPr>
+            <a:endParaRPr dirty="0"/>
           </a:p>
         </p:txBody>
       </p:sp>
@@ -5873,6 +5924,13 @@
   <p:clrMapOvr>
     <a:masterClrMapping/>
   </p:clrMapOvr>
+  <p:timing>
+    <p:tnLst>
+      <p:par>
+        <p:cTn id="1" dur="indefinite" restart="never" nodeType="tmRoot"/>
+      </p:par>
+    </p:tnLst>
+  </p:timing>
 </p:sld>
 </file>
 
@@ -5929,30 +5987,52 @@
           <a:bodyPr/>
           <a:lstStyle/>
           <a:p>
-            <a:endParaRPr/>
-          </a:p>
-          <a:p>
-            <a:r>
+            <a:pPr marL="0" indent="0">
+              <a:buNone/>
+            </a:pPr>
+            <a:endParaRPr dirty="0"/>
+          </a:p>
+          <a:p>
+            <a:pPr marL="0" indent="0">
+              <a:buNone/>
+            </a:pPr>
+            <a:r>
+              <a:rPr dirty="0"/>
               <a:t>- Database Schema Adjustments: Schema might need modifications as features evolve.</a:t>
             </a:r>
           </a:p>
           <a:p>
-            <a:r>
+            <a:pPr marL="0" indent="0">
+              <a:buNone/>
+            </a:pPr>
+            <a:r>
+              <a:rPr dirty="0"/>
               <a:t>- Search/Filter Functionality: Not yet implemented.</a:t>
             </a:r>
           </a:p>
           <a:p>
-            <a:r>
+            <a:pPr marL="0" indent="0">
+              <a:buNone/>
+            </a:pPr>
+            <a:r>
+              <a:rPr dirty="0"/>
               <a:t>- Error Handling: Improvements needed for edge cases and detailed messages.</a:t>
             </a:r>
           </a:p>
           <a:p>
-            <a:r>
+            <a:pPr marL="0" indent="0">
+              <a:buNone/>
+            </a:pPr>
+            <a:r>
+              <a:rPr dirty="0"/>
               <a:t>- Authentication/Authorization: No user authentication implemented yet.</a:t>
             </a:r>
           </a:p>
           <a:p>
-            <a:endParaRPr/>
+            <a:pPr marL="0" indent="0">
+              <a:buNone/>
+            </a:pPr>
+            <a:endParaRPr dirty="0"/>
           </a:p>
         </p:txBody>
       </p:sp>
@@ -5961,6 +6041,13 @@
   <p:clrMapOvr>
     <a:masterClrMapping/>
   </p:clrMapOvr>
+  <p:timing>
+    <p:tnLst>
+      <p:par>
+        <p:cTn id="1" dur="indefinite" restart="never" nodeType="tmRoot"/>
+      </p:par>
+    </p:tnLst>
+  </p:timing>
 </p:sld>
 </file>
 
@@ -6015,39 +6102,73 @@
         <p:spPr/>
         <p:txBody>
           <a:bodyPr>
-            <a:normAutofit fontScale="85000" lnSpcReduction="20000"/>
+            <a:normAutofit fontScale="85000" lnSpcReduction="10000"/>
           </a:bodyPr>
           <a:lstStyle/>
           <a:p>
-            <a:endParaRPr/>
-          </a:p>
-          <a:p>
-            <a:r>
+            <a:pPr marL="0" indent="0">
+              <a:buNone/>
+            </a:pPr>
+            <a:endParaRPr dirty="0"/>
+          </a:p>
+          <a:p>
+            <a:pPr marL="0" indent="0">
+              <a:buNone/>
+            </a:pPr>
+            <a:r>
+              <a:rPr dirty="0"/>
               <a:t>- Database Integrity: Ensuring relationships are managed with foreign keys.</a:t>
             </a:r>
           </a:p>
           <a:p>
-            <a:r>
+            <a:pPr marL="0" indent="0">
+              <a:buNone/>
+            </a:pPr>
+            <a:r>
+              <a:rPr dirty="0"/>
               <a:t>- API Testing with Postman: Helps in debugging and ensuring API functionality.</a:t>
             </a:r>
           </a:p>
           <a:p>
-            <a:r>
+            <a:pPr marL="0" indent="0">
+              <a:buNone/>
+            </a:pPr>
+            <a:r>
+              <a:rPr dirty="0"/>
               <a:t>- API Error Handling: Proper responses improve the development experience.</a:t>
             </a:r>
           </a:p>
           <a:p>
-            <a:r>
+            <a:pPr marL="0" indent="0">
+              <a:buNone/>
+            </a:pPr>
+            <a:r>
+              <a:rPr dirty="0"/>
               <a:t>- Modularization: Breaking down the app into manageable components aids maintainability.</a:t>
             </a:r>
           </a:p>
           <a:p>
-            <a:r>
-              <a:t>- Version Control: Regular Git commits help track progress and manage versions.</a:t>
-            </a:r>
-          </a:p>
-          <a:p>
-            <a:endParaRPr/>
+            <a:pPr marL="0" indent="0">
+              <a:buNone/>
+            </a:pPr>
+            <a:r>
+              <a:rPr dirty="0"/>
+              <a:t>- Version Control: Regular </a:t>
+            </a:r>
+            <a:r>
+              <a:rPr dirty="0" err="1"/>
+              <a:t>Git</a:t>
+            </a:r>
+            <a:r>
+              <a:rPr dirty="0"/>
+              <a:t> commits help track progress and manage versions.</a:t>
+            </a:r>
+          </a:p>
+          <a:p>
+            <a:pPr marL="0" indent="0">
+              <a:buNone/>
+            </a:pPr>
+            <a:endParaRPr dirty="0"/>
           </a:p>
         </p:txBody>
       </p:sp>
@@ -6056,6 +6177,13 @@
   <p:clrMapOvr>
     <a:masterClrMapping/>
   </p:clrMapOvr>
+  <p:timing>
+    <p:tnLst>
+      <p:par>
+        <p:cTn id="1" dur="indefinite" restart="never" nodeType="tmRoot"/>
+      </p:par>
+    </p:tnLst>
+  </p:timing>
 </p:sld>
 </file>
 
@@ -6110,34 +6238,56 @@
         <p:spPr/>
         <p:txBody>
           <a:bodyPr>
-            <a:normAutofit lnSpcReduction="10000"/>
+            <a:normAutofit/>
           </a:bodyPr>
           <a:lstStyle/>
           <a:p>
-            <a:endParaRPr/>
-          </a:p>
-          <a:p>
-            <a:r>
+            <a:pPr marL="0" indent="0">
+              <a:buNone/>
+            </a:pPr>
+            <a:endParaRPr dirty="0"/>
+          </a:p>
+          <a:p>
+            <a:pPr marL="0" indent="0">
+              <a:buNone/>
+            </a:pPr>
+            <a:r>
+              <a:rPr dirty="0"/>
               <a:t>- Enhanced User Authentication: To allow more personalized experiences.</a:t>
             </a:r>
           </a:p>
           <a:p>
-            <a:r>
+            <a:pPr marL="0" indent="0">
+              <a:buNone/>
+            </a:pPr>
+            <a:r>
+              <a:rPr dirty="0"/>
               <a:t>- Search/Filter Functionality: Add advanced search capabilities.</a:t>
             </a:r>
           </a:p>
           <a:p>
-            <a:r>
+            <a:pPr marL="0" indent="0">
+              <a:buNone/>
+            </a:pPr>
+            <a:r>
+              <a:rPr dirty="0"/>
               <a:t>- User Interface Improvements: Streamline the UI for better user experience.</a:t>
             </a:r>
           </a:p>
           <a:p>
-            <a:r>
+            <a:pPr marL="0" indent="0">
+              <a:buNone/>
+            </a:pPr>
+            <a:r>
+              <a:rPr dirty="0"/>
               <a:t>- Error Handling Enhancements: Improve error handling and responses.</a:t>
             </a:r>
           </a:p>
           <a:p>
-            <a:endParaRPr/>
+            <a:pPr marL="0" indent="0">
+              <a:buNone/>
+            </a:pPr>
+            <a:endParaRPr dirty="0"/>
           </a:p>
         </p:txBody>
       </p:sp>
@@ -6146,6 +6296,13 @@
   <p:clrMapOvr>
     <a:masterClrMapping/>
   </p:clrMapOvr>
+  <p:timing>
+    <p:tnLst>
+      <p:par>
+        <p:cTn id="1" dur="indefinite" restart="never" nodeType="tmRoot"/>
+      </p:par>
+    </p:tnLst>
+  </p:timing>
 </p:sld>
 </file>
 
@@ -6202,25 +6359,51 @@
           <a:bodyPr/>
           <a:lstStyle/>
           <a:p>
-            <a:endParaRPr/>
-          </a:p>
-          <a:p>
-            <a:r>
-              <a:t>- The FaithTrack API has been successfully developed using Express.js and MySQL.</a:t>
-            </a:r>
-          </a:p>
-          <a:p>
-            <a:r>
+            <a:pPr marL="0" indent="0">
+              <a:buNone/>
+            </a:pPr>
+            <a:endParaRPr dirty="0"/>
+          </a:p>
+          <a:p>
+            <a:pPr marL="0" indent="0">
+              <a:buNone/>
+            </a:pPr>
+            <a:r>
+              <a:rPr dirty="0"/>
+              <a:t>- The </a:t>
+            </a:r>
+            <a:r>
+              <a:rPr dirty="0" err="1"/>
+              <a:t>FaithTrack</a:t>
+            </a:r>
+            <a:r>
+              <a:rPr dirty="0"/>
+              <a:t> API has been successfully developed using Express.js and MySQL.</a:t>
+            </a:r>
+          </a:p>
+          <a:p>
+            <a:pPr marL="0" indent="0">
+              <a:buNone/>
+            </a:pPr>
+            <a:r>
+              <a:rPr dirty="0"/>
               <a:t>- CRUD functionality is fully implemented, and the database works seamlessly with the application.</a:t>
             </a:r>
           </a:p>
           <a:p>
-            <a:r>
+            <a:pPr marL="0" indent="0">
+              <a:buNone/>
+            </a:pPr>
+            <a:r>
+              <a:rPr dirty="0"/>
               <a:t>- The foundation is solid for further development, with plans to add additional features.</a:t>
             </a:r>
           </a:p>
           <a:p>
-            <a:endParaRPr/>
+            <a:pPr marL="0" indent="0">
+              <a:buNone/>
+            </a:pPr>
+            <a:endParaRPr dirty="0"/>
           </a:p>
         </p:txBody>
       </p:sp>
@@ -6229,6 +6412,13 @@
   <p:clrMapOvr>
     <a:masterClrMapping/>
   </p:clrMapOvr>
+  <p:timing>
+    <p:tnLst>
+      <p:par>
+        <p:cTn id="1" dur="indefinite" restart="never" nodeType="tmRoot"/>
+      </p:par>
+    </p:tnLst>
+  </p:timing>
 </p:sld>
 </file>
 
